--- a/Assignment_1/Presentation/What is  metaverse.pptx
+++ b/Assignment_1/Presentation/What is  metaverse.pptx
@@ -13,9 +13,9 @@
   <p:sldIdLst>
     <p:sldId id="257" r:id="rId5"/>
     <p:sldId id="384" r:id="rId6"/>
-    <p:sldId id="395" r:id="rId7"/>
-    <p:sldId id="317" r:id="rId8"/>
-    <p:sldId id="393" r:id="rId9"/>
+    <p:sldId id="393" r:id="rId7"/>
+    <p:sldId id="395" r:id="rId8"/>
+    <p:sldId id="317" r:id="rId9"/>
     <p:sldId id="394" r:id="rId10"/>
     <p:sldId id="279" r:id="rId11"/>
     <p:sldId id="391" r:id="rId12"/>
@@ -233,7 +233,7 @@
           <a:p>
             <a:fld id="{C17F2C1D-F243-42AB-ADF2-E7CB4E04900E}" type="datetimeFigureOut">
               <a:rPr lang="en-US" smtClean="0"/>
-              <a:t>10/7/2022</a:t>
+              <a:t>10/9/2022</a:t>
             </a:fld>
             <a:endParaRPr lang="en-US"/>
           </a:p>
@@ -410,7 +410,7 @@
           <a:p>
             <a:fld id="{020CE34E-5667-4A32-A6BA-10C7A552BC63}" type="datetimeFigureOut">
               <a:rPr lang="en-US" smtClean="0"/>
-              <a:t>10/7/2022</a:t>
+              <a:t>10/9/2022</a:t>
             </a:fld>
             <a:endParaRPr lang="en-US"/>
           </a:p>
@@ -919,7 +919,7 @@
     </p:spTree>
     <p:extLst>
       <p:ext uri="{BB962C8B-B14F-4D97-AF65-F5344CB8AC3E}">
-        <p14:creationId xmlns:p14="http://schemas.microsoft.com/office/powerpoint/2010/main" val="1974600311"/>
+        <p14:creationId xmlns:p14="http://schemas.microsoft.com/office/powerpoint/2010/main" val="2710255213"/>
       </p:ext>
     </p:extLst>
   </p:cSld>
@@ -1003,7 +1003,7 @@
     </p:spTree>
     <p:extLst>
       <p:ext uri="{BB962C8B-B14F-4D97-AF65-F5344CB8AC3E}">
-        <p14:creationId xmlns:p14="http://schemas.microsoft.com/office/powerpoint/2010/main" val="1586550175"/>
+        <p14:creationId xmlns:p14="http://schemas.microsoft.com/office/powerpoint/2010/main" val="1974600311"/>
       </p:ext>
     </p:extLst>
   </p:cSld>
@@ -1087,7 +1087,7 @@
     </p:spTree>
     <p:extLst>
       <p:ext uri="{BB962C8B-B14F-4D97-AF65-F5344CB8AC3E}">
-        <p14:creationId xmlns:p14="http://schemas.microsoft.com/office/powerpoint/2010/main" val="2710255213"/>
+        <p14:creationId xmlns:p14="http://schemas.microsoft.com/office/powerpoint/2010/main" val="1586550175"/>
       </p:ext>
     </p:extLst>
   </p:cSld>
@@ -13697,182 +13697,6 @@
 <file path=ppt/slides/slide3.xml><?xml version="1.0" encoding="utf-8"?>
 <p:sld xmlns:a="http://schemas.openxmlformats.org/drawingml/2006/main" xmlns:r="http://schemas.openxmlformats.org/officeDocument/2006/relationships" xmlns:p="http://schemas.openxmlformats.org/presentationml/2006/main">
   <p:cSld>
-    <p:spTree>
-      <p:nvGrpSpPr>
-        <p:cNvPr id="1" name=""/>
-        <p:cNvGrpSpPr/>
-        <p:nvPr/>
-      </p:nvGrpSpPr>
-      <p:grpSpPr>
-        <a:xfrm>
-          <a:off x="0" y="0"/>
-          <a:ext cx="0" cy="0"/>
-          <a:chOff x="0" y="0"/>
-          <a:chExt cx="0" cy="0"/>
-        </a:xfrm>
-      </p:grpSpPr>
-      <p:sp>
-        <p:nvSpPr>
-          <p:cNvPr id="6" name="Slide Number Placeholder 5">
-            <a:extLst>
-              <a:ext uri="{FF2B5EF4-FFF2-40B4-BE49-F238E27FC236}">
-                <a16:creationId xmlns:a16="http://schemas.microsoft.com/office/drawing/2014/main" id="{9ED907F8-C614-4D59-A03F-BF9CD5E35703}"/>
-              </a:ext>
-            </a:extLst>
-          </p:cNvPr>
-          <p:cNvSpPr>
-            <a:spLocks noGrp="1"/>
-          </p:cNvSpPr>
-          <p:nvPr>
-            <p:ph type="sldNum" sz="quarter" idx="12"/>
-          </p:nvPr>
-        </p:nvSpPr>
-        <p:spPr>
-          <a:xfrm>
-            <a:off x="9948863" y="6507212"/>
-            <a:ext cx="1692274" cy="153888"/>
-          </a:xfrm>
-        </p:spPr>
-        <p:txBody>
-          <a:bodyPr/>
-          <a:lstStyle/>
-          <a:p>
-            <a:fld id="{DBA1B0FB-D917-4C8C-928F-313BD683BF39}" type="slidenum">
-              <a:rPr lang="en-US" smtClean="0"/>
-              <a:pPr/>
-              <a:t>3</a:t>
-            </a:fld>
-            <a:endParaRPr lang="en-US"/>
-          </a:p>
-        </p:txBody>
-      </p:sp>
-      <p:pic>
-        <p:nvPicPr>
-          <p:cNvPr id="8" name="Picture 7">
-            <a:extLst>
-              <a:ext uri="{FF2B5EF4-FFF2-40B4-BE49-F238E27FC236}">
-                <a16:creationId xmlns:a16="http://schemas.microsoft.com/office/drawing/2014/main" id="{09073DAA-59F0-6B30-CF2F-3B8AB32506B7}"/>
-              </a:ext>
-            </a:extLst>
-          </p:cNvPr>
-          <p:cNvPicPr>
-            <a:picLocks noChangeAspect="1"/>
-          </p:cNvPicPr>
-          <p:nvPr/>
-        </p:nvPicPr>
-        <p:blipFill>
-          <a:blip r:embed="rId3"/>
-          <a:stretch>
-            <a:fillRect/>
-          </a:stretch>
-        </p:blipFill>
-        <p:spPr>
-          <a:xfrm>
-            <a:off x="1512974" y="1362690"/>
-            <a:ext cx="8929374" cy="4769662"/>
-          </a:xfrm>
-          <a:prstGeom prst="rect">
-            <a:avLst/>
-          </a:prstGeom>
-        </p:spPr>
-      </p:pic>
-      <p:sp>
-        <p:nvSpPr>
-          <p:cNvPr id="22" name="Title 21">
-            <a:extLst>
-              <a:ext uri="{FF2B5EF4-FFF2-40B4-BE49-F238E27FC236}">
-                <a16:creationId xmlns:a16="http://schemas.microsoft.com/office/drawing/2014/main" id="{B34A5D08-4236-5CAB-1ACA-431CAE9852DD}"/>
-              </a:ext>
-            </a:extLst>
-          </p:cNvPr>
-          <p:cNvSpPr>
-            <a:spLocks noGrp="1"/>
-          </p:cNvSpPr>
-          <p:nvPr>
-            <p:ph type="title"/>
-          </p:nvPr>
-        </p:nvSpPr>
-        <p:spPr>
-          <a:xfrm>
-            <a:off x="2798632" y="406625"/>
-            <a:ext cx="7150231" cy="1562959"/>
-          </a:xfrm>
-        </p:spPr>
-        <p:txBody>
-          <a:bodyPr/>
-          <a:lstStyle/>
-          <a:p>
-            <a:r>
-              <a:rPr lang="en-GB" dirty="0"/>
-              <a:t>Elements of a metaverse</a:t>
-            </a:r>
-            <a:endParaRPr lang="en-US" dirty="0"/>
-          </a:p>
-        </p:txBody>
-      </p:sp>
-      <p:pic>
-        <p:nvPicPr>
-          <p:cNvPr id="1026" name="Picture 2" descr="metaverse-logo - Enterprise Viewpoint">
-            <a:extLst>
-              <a:ext uri="{FF2B5EF4-FFF2-40B4-BE49-F238E27FC236}">
-                <a16:creationId xmlns:a16="http://schemas.microsoft.com/office/drawing/2014/main" id="{7D5EB86E-B160-312D-08DA-9FE24A7BC9F4}"/>
-              </a:ext>
-            </a:extLst>
-          </p:cNvPr>
-          <p:cNvPicPr>
-            <a:picLocks noChangeAspect="1" noChangeArrowheads="1"/>
-          </p:cNvPicPr>
-          <p:nvPr/>
-        </p:nvPicPr>
-        <p:blipFill>
-          <a:blip r:embed="rId4">
-            <a:extLst>
-              <a:ext uri="{28A0092B-C50C-407E-A947-70E740481C1C}">
-                <a14:useLocalDpi xmlns:a14="http://schemas.microsoft.com/office/drawing/2010/main" val="0"/>
-              </a:ext>
-            </a:extLst>
-          </a:blip>
-          <a:srcRect/>
-          <a:stretch>
-            <a:fillRect/>
-          </a:stretch>
-        </p:blipFill>
-        <p:spPr bwMode="auto">
-          <a:xfrm>
-            <a:off x="10635126" y="255623"/>
-            <a:ext cx="1198789" cy="544236"/>
-          </a:xfrm>
-          <a:prstGeom prst="rect">
-            <a:avLst/>
-          </a:prstGeom>
-          <a:noFill/>
-          <a:extLst>
-            <a:ext uri="{909E8E84-426E-40DD-AFC4-6F175D3DCCD1}">
-              <a14:hiddenFill xmlns:a14="http://schemas.microsoft.com/office/drawing/2010/main">
-                <a:solidFill>
-                  <a:srgbClr val="FFFFFF"/>
-                </a:solidFill>
-              </a14:hiddenFill>
-            </a:ext>
-          </a:extLst>
-        </p:spPr>
-      </p:pic>
-    </p:spTree>
-    <p:extLst>
-      <p:ext uri="{BB962C8B-B14F-4D97-AF65-F5344CB8AC3E}">
-        <p14:creationId xmlns:p14="http://schemas.microsoft.com/office/powerpoint/2010/main" val="3341936686"/>
-      </p:ext>
-    </p:extLst>
-  </p:cSld>
-  <p:clrMapOvr>
-    <a:masterClrMapping/>
-  </p:clrMapOvr>
-</p:sld>
-</file>
-
-<file path=ppt/slides/slide4.xml><?xml version="1.0" encoding="utf-8"?>
-<p:sld xmlns:a="http://schemas.openxmlformats.org/drawingml/2006/main" xmlns:r="http://schemas.openxmlformats.org/officeDocument/2006/relationships" xmlns:p="http://schemas.openxmlformats.org/presentationml/2006/main">
-  <p:cSld>
     <p:bg>
       <p:bgPr>
         <a:solidFill>
@@ -14988,42 +14812,12 @@
           <a:p>
             <a:fld id="{DBA1B0FB-D917-4C8C-928F-313BD683BF39}" type="slidenum">
               <a:rPr lang="en-US" smtClean="0"/>
-              <a:t>4</a:t>
+              <a:t>3</a:t>
             </a:fld>
             <a:endParaRPr lang="en-US"/>
           </a:p>
         </p:txBody>
       </p:sp>
-      <p:pic>
-        <p:nvPicPr>
-          <p:cNvPr id="19" name="Picture 18">
-            <a:extLst>
-              <a:ext uri="{FF2B5EF4-FFF2-40B4-BE49-F238E27FC236}">
-                <a16:creationId xmlns:a16="http://schemas.microsoft.com/office/drawing/2014/main" id="{F8E4A9DC-5FFD-E51F-2690-874763209052}"/>
-              </a:ext>
-            </a:extLst>
-          </p:cNvPr>
-          <p:cNvPicPr>
-            <a:picLocks noChangeAspect="1"/>
-          </p:cNvPicPr>
-          <p:nvPr/>
-        </p:nvPicPr>
-        <p:blipFill>
-          <a:blip r:embed="rId4"/>
-          <a:stretch>
-            <a:fillRect/>
-          </a:stretch>
-        </p:blipFill>
-        <p:spPr>
-          <a:xfrm>
-            <a:off x="1152445" y="1294899"/>
-            <a:ext cx="9082083" cy="5085966"/>
-          </a:xfrm>
-          <a:prstGeom prst="rect">
-            <a:avLst/>
-          </a:prstGeom>
-        </p:spPr>
-      </p:pic>
       <p:sp>
         <p:nvSpPr>
           <p:cNvPr id="20" name="Title 10">
@@ -15040,8 +14834,8 @@
         </p:nvSpPr>
         <p:spPr>
           <a:xfrm>
-            <a:off x="3376379" y="159502"/>
-            <a:ext cx="6457904" cy="953859"/>
+            <a:off x="2304890" y="159502"/>
+            <a:ext cx="7529393" cy="953859"/>
           </a:xfrm>
           <a:prstGeom prst="rect">
             <a:avLst/>
@@ -15073,17 +14867,47 @@
           <a:p>
             <a:r>
               <a:rPr lang="en-US" dirty="0"/>
-              <a:t>Key Features</a:t>
+              <a:t>Evolution of internet</a:t>
             </a:r>
           </a:p>
         </p:txBody>
       </p:sp>
       <p:pic>
         <p:nvPicPr>
-          <p:cNvPr id="21" name="Picture 2" descr="metaverse-logo - Enterprise Viewpoint">
-            <a:extLst>
-              <a:ext uri="{FF2B5EF4-FFF2-40B4-BE49-F238E27FC236}">
-                <a16:creationId xmlns:a16="http://schemas.microsoft.com/office/drawing/2014/main" id="{09D917DA-4801-6ACA-C805-E76812C29EBB}"/>
+          <p:cNvPr id="2" name="Picture 1">
+            <a:extLst>
+              <a:ext uri="{FF2B5EF4-FFF2-40B4-BE49-F238E27FC236}">
+                <a16:creationId xmlns:a16="http://schemas.microsoft.com/office/drawing/2014/main" id="{9ABF93D3-C3AC-936C-28DF-46418097CF27}"/>
+              </a:ext>
+            </a:extLst>
+          </p:cNvPr>
+          <p:cNvPicPr>
+            <a:picLocks noChangeAspect="1"/>
+          </p:cNvPicPr>
+          <p:nvPr/>
+        </p:nvPicPr>
+        <p:blipFill>
+          <a:blip r:embed="rId4"/>
+          <a:stretch>
+            <a:fillRect/>
+          </a:stretch>
+        </p:blipFill>
+        <p:spPr>
+          <a:xfrm>
+            <a:off x="1030692" y="1302974"/>
+            <a:ext cx="9360506" cy="5242942"/>
+          </a:xfrm>
+          <a:prstGeom prst="rect">
+            <a:avLst/>
+          </a:prstGeom>
+        </p:spPr>
+      </p:pic>
+      <p:pic>
+        <p:nvPicPr>
+          <p:cNvPr id="3" name="Picture 2" descr="metaverse-logo - Enterprise Viewpoint">
+            <a:extLst>
+              <a:ext uri="{FF2B5EF4-FFF2-40B4-BE49-F238E27FC236}">
+                <a16:creationId xmlns:a16="http://schemas.microsoft.com/office/drawing/2014/main" id="{6E4B7D40-D69A-2DCE-AE92-F859953439D9}"/>
               </a:ext>
             </a:extLst>
           </p:cNvPr>
@@ -15128,7 +14952,183 @@
     </p:spTree>
     <p:extLst>
       <p:ext uri="{BB962C8B-B14F-4D97-AF65-F5344CB8AC3E}">
-        <p14:creationId xmlns:p14="http://schemas.microsoft.com/office/powerpoint/2010/main" val="560021826"/>
+        <p14:creationId xmlns:p14="http://schemas.microsoft.com/office/powerpoint/2010/main" val="1457588409"/>
+      </p:ext>
+    </p:extLst>
+  </p:cSld>
+  <p:clrMapOvr>
+    <a:masterClrMapping/>
+  </p:clrMapOvr>
+</p:sld>
+</file>
+
+<file path=ppt/slides/slide4.xml><?xml version="1.0" encoding="utf-8"?>
+<p:sld xmlns:a="http://schemas.openxmlformats.org/drawingml/2006/main" xmlns:r="http://schemas.openxmlformats.org/officeDocument/2006/relationships" xmlns:p="http://schemas.openxmlformats.org/presentationml/2006/main">
+  <p:cSld>
+    <p:spTree>
+      <p:nvGrpSpPr>
+        <p:cNvPr id="1" name=""/>
+        <p:cNvGrpSpPr/>
+        <p:nvPr/>
+      </p:nvGrpSpPr>
+      <p:grpSpPr>
+        <a:xfrm>
+          <a:off x="0" y="0"/>
+          <a:ext cx="0" cy="0"/>
+          <a:chOff x="0" y="0"/>
+          <a:chExt cx="0" cy="0"/>
+        </a:xfrm>
+      </p:grpSpPr>
+      <p:sp>
+        <p:nvSpPr>
+          <p:cNvPr id="6" name="Slide Number Placeholder 5">
+            <a:extLst>
+              <a:ext uri="{FF2B5EF4-FFF2-40B4-BE49-F238E27FC236}">
+                <a16:creationId xmlns:a16="http://schemas.microsoft.com/office/drawing/2014/main" id="{9ED907F8-C614-4D59-A03F-BF9CD5E35703}"/>
+              </a:ext>
+            </a:extLst>
+          </p:cNvPr>
+          <p:cNvSpPr>
+            <a:spLocks noGrp="1"/>
+          </p:cNvSpPr>
+          <p:nvPr>
+            <p:ph type="sldNum" sz="quarter" idx="12"/>
+          </p:nvPr>
+        </p:nvSpPr>
+        <p:spPr>
+          <a:xfrm>
+            <a:off x="9948863" y="6507212"/>
+            <a:ext cx="1692274" cy="153888"/>
+          </a:xfrm>
+        </p:spPr>
+        <p:txBody>
+          <a:bodyPr/>
+          <a:lstStyle/>
+          <a:p>
+            <a:fld id="{DBA1B0FB-D917-4C8C-928F-313BD683BF39}" type="slidenum">
+              <a:rPr lang="en-US" smtClean="0"/>
+              <a:pPr/>
+              <a:t>4</a:t>
+            </a:fld>
+            <a:endParaRPr lang="en-US"/>
+          </a:p>
+        </p:txBody>
+      </p:sp>
+      <p:pic>
+        <p:nvPicPr>
+          <p:cNvPr id="8" name="Picture 7">
+            <a:extLst>
+              <a:ext uri="{FF2B5EF4-FFF2-40B4-BE49-F238E27FC236}">
+                <a16:creationId xmlns:a16="http://schemas.microsoft.com/office/drawing/2014/main" id="{09073DAA-59F0-6B30-CF2F-3B8AB32506B7}"/>
+              </a:ext>
+            </a:extLst>
+          </p:cNvPr>
+          <p:cNvPicPr>
+            <a:picLocks noChangeAspect="1"/>
+          </p:cNvPicPr>
+          <p:nvPr/>
+        </p:nvPicPr>
+        <p:blipFill>
+          <a:blip r:embed="rId3"/>
+          <a:stretch>
+            <a:fillRect/>
+          </a:stretch>
+        </p:blipFill>
+        <p:spPr>
+          <a:xfrm>
+            <a:off x="1512974" y="1362690"/>
+            <a:ext cx="8929374" cy="4769662"/>
+          </a:xfrm>
+          <a:prstGeom prst="rect">
+            <a:avLst/>
+          </a:prstGeom>
+        </p:spPr>
+      </p:pic>
+      <p:sp>
+        <p:nvSpPr>
+          <p:cNvPr id="22" name="Title 21">
+            <a:extLst>
+              <a:ext uri="{FF2B5EF4-FFF2-40B4-BE49-F238E27FC236}">
+                <a16:creationId xmlns:a16="http://schemas.microsoft.com/office/drawing/2014/main" id="{B34A5D08-4236-5CAB-1ACA-431CAE9852DD}"/>
+              </a:ext>
+            </a:extLst>
+          </p:cNvPr>
+          <p:cNvSpPr>
+            <a:spLocks noGrp="1"/>
+          </p:cNvSpPr>
+          <p:nvPr>
+            <p:ph type="title"/>
+          </p:nvPr>
+        </p:nvSpPr>
+        <p:spPr>
+          <a:xfrm>
+            <a:off x="2798632" y="406625"/>
+            <a:ext cx="7150231" cy="1562959"/>
+          </a:xfrm>
+        </p:spPr>
+        <p:txBody>
+          <a:bodyPr/>
+          <a:lstStyle/>
+          <a:p>
+            <a:r>
+              <a:rPr lang="en-GB" dirty="0"/>
+              <a:t>Elements of a metaverse</a:t>
+            </a:r>
+            <a:endParaRPr lang="en-US" dirty="0"/>
+          </a:p>
+        </p:txBody>
+      </p:sp>
+      <p:pic>
+        <p:nvPicPr>
+          <p:cNvPr id="1026" name="Picture 2" descr="metaverse-logo - Enterprise Viewpoint">
+            <a:extLst>
+              <a:ext uri="{FF2B5EF4-FFF2-40B4-BE49-F238E27FC236}">
+                <a16:creationId xmlns:a16="http://schemas.microsoft.com/office/drawing/2014/main" id="{7D5EB86E-B160-312D-08DA-9FE24A7BC9F4}"/>
+              </a:ext>
+            </a:extLst>
+          </p:cNvPr>
+          <p:cNvPicPr>
+            <a:picLocks noChangeAspect="1" noChangeArrowheads="1"/>
+          </p:cNvPicPr>
+          <p:nvPr/>
+        </p:nvPicPr>
+        <p:blipFill>
+          <a:blip r:embed="rId4">
+            <a:extLst>
+              <a:ext uri="{28A0092B-C50C-407E-A947-70E740481C1C}">
+                <a14:useLocalDpi xmlns:a14="http://schemas.microsoft.com/office/drawing/2010/main" val="0"/>
+              </a:ext>
+            </a:extLst>
+          </a:blip>
+          <a:srcRect/>
+          <a:stretch>
+            <a:fillRect/>
+          </a:stretch>
+        </p:blipFill>
+        <p:spPr bwMode="auto">
+          <a:xfrm>
+            <a:off x="10635126" y="255623"/>
+            <a:ext cx="1198789" cy="544236"/>
+          </a:xfrm>
+          <a:prstGeom prst="rect">
+            <a:avLst/>
+          </a:prstGeom>
+          <a:noFill/>
+          <a:extLst>
+            <a:ext uri="{909E8E84-426E-40DD-AFC4-6F175D3DCCD1}">
+              <a14:hiddenFill xmlns:a14="http://schemas.microsoft.com/office/drawing/2010/main">
+                <a:solidFill>
+                  <a:srgbClr val="FFFFFF"/>
+                </a:solidFill>
+              </a14:hiddenFill>
+            </a:ext>
+          </a:extLst>
+        </p:spPr>
+      </p:pic>
+    </p:spTree>
+    <p:extLst>
+      <p:ext uri="{BB962C8B-B14F-4D97-AF65-F5344CB8AC3E}">
+        <p14:creationId xmlns:p14="http://schemas.microsoft.com/office/powerpoint/2010/main" val="3341936686"/>
       </p:ext>
     </p:extLst>
   </p:cSld>
@@ -16262,6 +16262,36 @@
           </a:p>
         </p:txBody>
       </p:sp>
+      <p:pic>
+        <p:nvPicPr>
+          <p:cNvPr id="19" name="Picture 18">
+            <a:extLst>
+              <a:ext uri="{FF2B5EF4-FFF2-40B4-BE49-F238E27FC236}">
+                <a16:creationId xmlns:a16="http://schemas.microsoft.com/office/drawing/2014/main" id="{F8E4A9DC-5FFD-E51F-2690-874763209052}"/>
+              </a:ext>
+            </a:extLst>
+          </p:cNvPr>
+          <p:cNvPicPr>
+            <a:picLocks noChangeAspect="1"/>
+          </p:cNvPicPr>
+          <p:nvPr/>
+        </p:nvPicPr>
+        <p:blipFill>
+          <a:blip r:embed="rId4"/>
+          <a:stretch>
+            <a:fillRect/>
+          </a:stretch>
+        </p:blipFill>
+        <p:spPr>
+          <a:xfrm>
+            <a:off x="1152445" y="1294899"/>
+            <a:ext cx="9082083" cy="5085966"/>
+          </a:xfrm>
+          <a:prstGeom prst="rect">
+            <a:avLst/>
+          </a:prstGeom>
+        </p:spPr>
+      </p:pic>
       <p:sp>
         <p:nvSpPr>
           <p:cNvPr id="20" name="Title 10">
@@ -16278,8 +16308,8 @@
         </p:nvSpPr>
         <p:spPr>
           <a:xfrm>
-            <a:off x="2304890" y="159502"/>
-            <a:ext cx="7529393" cy="953859"/>
+            <a:off x="3376379" y="159502"/>
+            <a:ext cx="6457904" cy="953859"/>
           </a:xfrm>
           <a:prstGeom prst="rect">
             <a:avLst/>
@@ -16311,47 +16341,17 @@
           <a:p>
             <a:r>
               <a:rPr lang="en-US" dirty="0"/>
-              <a:t>Evolution of internet</a:t>
+              <a:t>Key Features</a:t>
             </a:r>
           </a:p>
         </p:txBody>
       </p:sp>
       <p:pic>
         <p:nvPicPr>
-          <p:cNvPr id="2" name="Picture 1">
-            <a:extLst>
-              <a:ext uri="{FF2B5EF4-FFF2-40B4-BE49-F238E27FC236}">
-                <a16:creationId xmlns:a16="http://schemas.microsoft.com/office/drawing/2014/main" id="{9ABF93D3-C3AC-936C-28DF-46418097CF27}"/>
-              </a:ext>
-            </a:extLst>
-          </p:cNvPr>
-          <p:cNvPicPr>
-            <a:picLocks noChangeAspect="1"/>
-          </p:cNvPicPr>
-          <p:nvPr/>
-        </p:nvPicPr>
-        <p:blipFill>
-          <a:blip r:embed="rId4"/>
-          <a:stretch>
-            <a:fillRect/>
-          </a:stretch>
-        </p:blipFill>
-        <p:spPr>
-          <a:xfrm>
-            <a:off x="1030692" y="1302974"/>
-            <a:ext cx="9360506" cy="5242942"/>
-          </a:xfrm>
-          <a:prstGeom prst="rect">
-            <a:avLst/>
-          </a:prstGeom>
-        </p:spPr>
-      </p:pic>
-      <p:pic>
-        <p:nvPicPr>
-          <p:cNvPr id="3" name="Picture 2" descr="metaverse-logo - Enterprise Viewpoint">
-            <a:extLst>
-              <a:ext uri="{FF2B5EF4-FFF2-40B4-BE49-F238E27FC236}">
-                <a16:creationId xmlns:a16="http://schemas.microsoft.com/office/drawing/2014/main" id="{6E4B7D40-D69A-2DCE-AE92-F859953439D9}"/>
+          <p:cNvPr id="21" name="Picture 2" descr="metaverse-logo - Enterprise Viewpoint">
+            <a:extLst>
+              <a:ext uri="{FF2B5EF4-FFF2-40B4-BE49-F238E27FC236}">
+                <a16:creationId xmlns:a16="http://schemas.microsoft.com/office/drawing/2014/main" id="{09D917DA-4801-6ACA-C805-E76812C29EBB}"/>
               </a:ext>
             </a:extLst>
           </p:cNvPr>
@@ -16396,7 +16396,7 @@
     </p:spTree>
     <p:extLst>
       <p:ext uri="{BB962C8B-B14F-4D97-AF65-F5344CB8AC3E}">
-        <p14:creationId xmlns:p14="http://schemas.microsoft.com/office/powerpoint/2010/main" val="1457588409"/>
+        <p14:creationId xmlns:p14="http://schemas.microsoft.com/office/powerpoint/2010/main" val="560021826"/>
       </p:ext>
     </p:extLst>
   </p:cSld>
@@ -19244,6 +19244,25 @@
 </file>
 
 <file path=customXml/item1.xml><?xml version="1.0" encoding="utf-8"?>
+<p:properties xmlns:p="http://schemas.microsoft.com/office/2006/metadata/properties" xmlns:xsi="http://www.w3.org/2001/XMLSchema-instance" xmlns:pc="http://schemas.microsoft.com/office/infopath/2007/PartnerControls">
+  <documentManagement>
+    <_ip_UnifiedCompliancePolicyUIAction xmlns="http://schemas.microsoft.com/sharepoint/v3" xsi:nil="true"/>
+    <Image xmlns="71af3243-3dd4-4a8d-8c0d-dd76da1f02a5">
+      <Url xsi:nil="true"/>
+      <Description xsi:nil="true"/>
+    </Image>
+    <Status xmlns="71af3243-3dd4-4a8d-8c0d-dd76da1f02a5">Not started</Status>
+    <_ip_UnifiedCompliancePolicyProperties xmlns="http://schemas.microsoft.com/sharepoint/v3" xsi:nil="true"/>
+    <lcf76f155ced4ddcb4097134ff3c332f xmlns="71af3243-3dd4-4a8d-8c0d-dd76da1f02a5">
+      <Terms xmlns="http://schemas.microsoft.com/office/infopath/2007/PartnerControls"/>
+    </lcf76f155ced4ddcb4097134ff3c332f>
+    <TaxCatchAll xmlns="230e9df3-be65-4c73-a93b-d1236ebd677e"/>
+    <MediaServiceKeyPoints xmlns="71af3243-3dd4-4a8d-8c0d-dd76da1f02a5" xsi:nil="true"/>
+  </documentManagement>
+</p:properties>
+</file>
+
+<file path=customXml/item2.xml><?xml version="1.0" encoding="utf-8"?>
 <ct:contentTypeSchema xmlns:ct="http://schemas.microsoft.com/office/2006/metadata/contentType" xmlns:ma="http://schemas.microsoft.com/office/2006/metadata/properties/metaAttributes" ct:_="" ma:_="" ma:contentTypeName="Document" ma:contentTypeID="0x01010079F111ED35F8CC479449609E8A0923A6" ma:contentTypeVersion="18" ma:contentTypeDescription="Create a new document." ma:contentTypeScope="" ma:versionID="22a266b9fa9a230c5a512669d8b298c3">
   <xsd:schema xmlns:xsd="http://www.w3.org/2001/XMLSchema" xmlns:xs="http://www.w3.org/2001/XMLSchema" xmlns:p="http://schemas.microsoft.com/office/2006/metadata/properties" xmlns:ns1="http://schemas.microsoft.com/sharepoint/v3" xmlns:ns2="71af3243-3dd4-4a8d-8c0d-dd76da1f02a5" xmlns:ns3="16c05727-aa75-4e4a-9b5f-8a80a1165891" xmlns:ns4="230e9df3-be65-4c73-a93b-d1236ebd677e" targetNamespace="http://schemas.microsoft.com/office/2006/metadata/properties" ma:root="true" ma:fieldsID="eddc33fff6b14141ee5c74a0d29ea6a1" ns1:_="" ns2:_="" ns3:_="" ns4:_="">
     <xsd:import namespace="http://schemas.microsoft.com/sharepoint/v3"/>
@@ -19519,25 +19538,6 @@
 </ct:contentTypeSchema>
 </file>
 
-<file path=customXml/item2.xml><?xml version="1.0" encoding="utf-8"?>
-<p:properties xmlns:p="http://schemas.microsoft.com/office/2006/metadata/properties" xmlns:xsi="http://www.w3.org/2001/XMLSchema-instance" xmlns:pc="http://schemas.microsoft.com/office/infopath/2007/PartnerControls">
-  <documentManagement>
-    <_ip_UnifiedCompliancePolicyUIAction xmlns="http://schemas.microsoft.com/sharepoint/v3" xsi:nil="true"/>
-    <Image xmlns="71af3243-3dd4-4a8d-8c0d-dd76da1f02a5">
-      <Url xsi:nil="true"/>
-      <Description xsi:nil="true"/>
-    </Image>
-    <Status xmlns="71af3243-3dd4-4a8d-8c0d-dd76da1f02a5">Not started</Status>
-    <_ip_UnifiedCompliancePolicyProperties xmlns="http://schemas.microsoft.com/sharepoint/v3" xsi:nil="true"/>
-    <lcf76f155ced4ddcb4097134ff3c332f xmlns="71af3243-3dd4-4a8d-8c0d-dd76da1f02a5">
-      <Terms xmlns="http://schemas.microsoft.com/office/infopath/2007/PartnerControls"/>
-    </lcf76f155ced4ddcb4097134ff3c332f>
-    <TaxCatchAll xmlns="230e9df3-be65-4c73-a93b-d1236ebd677e"/>
-    <MediaServiceKeyPoints xmlns="71af3243-3dd4-4a8d-8c0d-dd76da1f02a5" xsi:nil="true"/>
-  </documentManagement>
-</p:properties>
-</file>
-
 <file path=customXml/item3.xml><?xml version="1.0" encoding="utf-8"?>
 <?mso-contentType ?>
 <FormTemplates xmlns="http://schemas.microsoft.com/sharepoint/v3/contenttype/forms">
@@ -19548,6 +19548,18 @@
 </file>
 
 <file path=customXml/itemProps1.xml><?xml version="1.0" encoding="utf-8"?>
+<ds:datastoreItem xmlns:ds="http://schemas.openxmlformats.org/officeDocument/2006/customXml" ds:itemID="{50811A92-D464-4AC4-A396-BA73B10CEEAC}">
+  <ds:schemaRefs>
+    <ds:schemaRef ds:uri="http://schemas.microsoft.com/office/2006/metadata/properties"/>
+    <ds:schemaRef ds:uri="http://schemas.microsoft.com/office/infopath/2007/PartnerControls"/>
+    <ds:schemaRef ds:uri="http://schemas.microsoft.com/sharepoint/v3"/>
+    <ds:schemaRef ds:uri="71af3243-3dd4-4a8d-8c0d-dd76da1f02a5"/>
+    <ds:schemaRef ds:uri="230e9df3-be65-4c73-a93b-d1236ebd677e"/>
+  </ds:schemaRefs>
+</ds:datastoreItem>
+</file>
+
+<file path=customXml/itemProps2.xml><?xml version="1.0" encoding="utf-8"?>
 <ds:datastoreItem xmlns:ds="http://schemas.openxmlformats.org/officeDocument/2006/customXml" ds:itemID="{DE4876F9-7AE1-498D-B8FE-1E3AD703D2AF}">
   <ds:schemaRefs>
     <ds:schemaRef ds:uri="http://schemas.microsoft.com/office/2006/metadata/contentType"/>
@@ -19568,18 +19580,6 @@
 </ds:datastoreItem>
 </file>
 
-<file path=customXml/itemProps2.xml><?xml version="1.0" encoding="utf-8"?>
-<ds:datastoreItem xmlns:ds="http://schemas.openxmlformats.org/officeDocument/2006/customXml" ds:itemID="{50811A92-D464-4AC4-A396-BA73B10CEEAC}">
-  <ds:schemaRefs>
-    <ds:schemaRef ds:uri="http://schemas.microsoft.com/office/2006/metadata/properties"/>
-    <ds:schemaRef ds:uri="http://schemas.microsoft.com/office/infopath/2007/PartnerControls"/>
-    <ds:schemaRef ds:uri="http://schemas.microsoft.com/sharepoint/v3"/>
-    <ds:schemaRef ds:uri="71af3243-3dd4-4a8d-8c0d-dd76da1f02a5"/>
-    <ds:schemaRef ds:uri="230e9df3-be65-4c73-a93b-d1236ebd677e"/>
-  </ds:schemaRefs>
-</ds:datastoreItem>
-</file>
-
 <file path=customXml/itemProps3.xml><?xml version="1.0" encoding="utf-8"?>
 <ds:datastoreItem xmlns:ds="http://schemas.openxmlformats.org/officeDocument/2006/customXml" ds:itemID="{904751AB-E840-446F-8D49-E697067EC887}">
   <ds:schemaRefs>
